--- a/doc/bak/权限控制模块20171013.pptx
+++ b/doc/bak/权限控制模块20171013.pptx
@@ -14,10 +14,10 @@
     <p:sldId id="266" r:id="rId5"/>
     <p:sldId id="267" r:id="rId6"/>
     <p:sldId id="268" r:id="rId7"/>
-    <p:sldId id="262" r:id="rId8"/>
-    <p:sldId id="265" r:id="rId9"/>
-    <p:sldId id="263" r:id="rId10"/>
-    <p:sldId id="264" r:id="rId11"/>
+    <p:sldId id="265" r:id="rId8"/>
+    <p:sldId id="263" r:id="rId9"/>
+    <p:sldId id="264" r:id="rId10"/>
+    <p:sldId id="262" r:id="rId11"/>
   </p:sldIdLst>
   <p:sldSz cx="9144000" cy="5143500" type="screen16x9"/>
   <p:notesSz cx="6858000" cy="9144000"/>
@@ -223,7 +223,7 @@
             <a:fld id="{61EC82D5-F6A0-4F68-8F2E-2C34AE32319F}" type="datetimeFigureOut">
               <a:rPr lang="zh-CN" altLang="en-US" smtClean="0"/>
               <a:pPr/>
-              <a:t>2017/10/17</a:t>
+              <a:t>2017/11/14</a:t>
             </a:fld>
             <a:endParaRPr lang="zh-CN" altLang="en-US"/>
           </a:p>
@@ -674,7 +674,7 @@
             <a:fld id="{8909724C-0DE3-465F-A4F5-9286499B1CB8}" type="datetimeFigureOut">
               <a:rPr lang="zh-CN" altLang="en-US" smtClean="0"/>
               <a:pPr/>
-              <a:t>2017/10/17</a:t>
+              <a:t>2017/11/14</a:t>
             </a:fld>
             <a:endParaRPr lang="zh-CN" altLang="en-US"/>
           </a:p>
@@ -841,7 +841,7 @@
             <a:fld id="{8909724C-0DE3-465F-A4F5-9286499B1CB8}" type="datetimeFigureOut">
               <a:rPr lang="zh-CN" altLang="en-US" smtClean="0"/>
               <a:pPr/>
-              <a:t>2017/10/17</a:t>
+              <a:t>2017/11/14</a:t>
             </a:fld>
             <a:endParaRPr lang="zh-CN" altLang="en-US"/>
           </a:p>
@@ -1018,7 +1018,7 @@
             <a:fld id="{8909724C-0DE3-465F-A4F5-9286499B1CB8}" type="datetimeFigureOut">
               <a:rPr lang="zh-CN" altLang="en-US" smtClean="0"/>
               <a:pPr/>
-              <a:t>2017/10/17</a:t>
+              <a:t>2017/11/14</a:t>
             </a:fld>
             <a:endParaRPr lang="zh-CN" altLang="en-US"/>
           </a:p>
@@ -1185,7 +1185,7 @@
             <a:fld id="{8909724C-0DE3-465F-A4F5-9286499B1CB8}" type="datetimeFigureOut">
               <a:rPr lang="zh-CN" altLang="en-US" smtClean="0"/>
               <a:pPr/>
-              <a:t>2017/10/17</a:t>
+              <a:t>2017/11/14</a:t>
             </a:fld>
             <a:endParaRPr lang="zh-CN" altLang="en-US"/>
           </a:p>
@@ -1428,7 +1428,7 @@
             <a:fld id="{8909724C-0DE3-465F-A4F5-9286499B1CB8}" type="datetimeFigureOut">
               <a:rPr lang="zh-CN" altLang="en-US" smtClean="0"/>
               <a:pPr/>
-              <a:t>2017/10/17</a:t>
+              <a:t>2017/11/14</a:t>
             </a:fld>
             <a:endParaRPr lang="zh-CN" altLang="en-US"/>
           </a:p>
@@ -1713,7 +1713,7 @@
             <a:fld id="{8909724C-0DE3-465F-A4F5-9286499B1CB8}" type="datetimeFigureOut">
               <a:rPr lang="zh-CN" altLang="en-US" smtClean="0"/>
               <a:pPr/>
-              <a:t>2017/10/17</a:t>
+              <a:t>2017/11/14</a:t>
             </a:fld>
             <a:endParaRPr lang="zh-CN" altLang="en-US"/>
           </a:p>
@@ -2132,7 +2132,7 @@
             <a:fld id="{8909724C-0DE3-465F-A4F5-9286499B1CB8}" type="datetimeFigureOut">
               <a:rPr lang="zh-CN" altLang="en-US" smtClean="0"/>
               <a:pPr/>
-              <a:t>2017/10/17</a:t>
+              <a:t>2017/11/14</a:t>
             </a:fld>
             <a:endParaRPr lang="zh-CN" altLang="en-US"/>
           </a:p>
@@ -2247,7 +2247,7 @@
             <a:fld id="{8909724C-0DE3-465F-A4F5-9286499B1CB8}" type="datetimeFigureOut">
               <a:rPr lang="zh-CN" altLang="en-US" smtClean="0"/>
               <a:pPr/>
-              <a:t>2017/10/17</a:t>
+              <a:t>2017/11/14</a:t>
             </a:fld>
             <a:endParaRPr lang="zh-CN" altLang="en-US"/>
           </a:p>
@@ -2339,7 +2339,7 @@
             <a:fld id="{8909724C-0DE3-465F-A4F5-9286499B1CB8}" type="datetimeFigureOut">
               <a:rPr lang="zh-CN" altLang="en-US" smtClean="0"/>
               <a:pPr/>
-              <a:t>2017/10/17</a:t>
+              <a:t>2017/11/14</a:t>
             </a:fld>
             <a:endParaRPr lang="zh-CN" altLang="en-US"/>
           </a:p>
@@ -2613,7 +2613,7 @@
             <a:fld id="{8909724C-0DE3-465F-A4F5-9286499B1CB8}" type="datetimeFigureOut">
               <a:rPr lang="zh-CN" altLang="en-US" smtClean="0"/>
               <a:pPr/>
-              <a:t>2017/10/17</a:t>
+              <a:t>2017/11/14</a:t>
             </a:fld>
             <a:endParaRPr lang="zh-CN" altLang="en-US"/>
           </a:p>
@@ -2863,7 +2863,7 @@
             <a:fld id="{8909724C-0DE3-465F-A4F5-9286499B1CB8}" type="datetimeFigureOut">
               <a:rPr lang="zh-CN" altLang="en-US" smtClean="0"/>
               <a:pPr/>
-              <a:t>2017/10/17</a:t>
+              <a:t>2017/11/14</a:t>
             </a:fld>
             <a:endParaRPr lang="zh-CN" altLang="en-US"/>
           </a:p>
@@ -3073,7 +3073,7 @@
             <a:fld id="{8909724C-0DE3-465F-A4F5-9286499B1CB8}" type="datetimeFigureOut">
               <a:rPr lang="zh-CN" altLang="en-US" smtClean="0"/>
               <a:pPr/>
-              <a:t>2017/10/17</a:t>
+              <a:t>2017/11/14</a:t>
             </a:fld>
             <a:endParaRPr lang="zh-CN" altLang="en-US"/>
           </a:p>
@@ -3518,9 +3518,76 @@
           <a:chExt cx="0" cy="0"/>
         </a:xfrm>
       </p:grpSpPr>
+      <p:sp>
+        <p:nvSpPr>
+          <p:cNvPr id="2" name="标题 1"/>
+          <p:cNvSpPr>
+            <a:spLocks noGrp="1"/>
+          </p:cNvSpPr>
+          <p:nvPr>
+            <p:ph type="title"/>
+          </p:nvPr>
+        </p:nvSpPr>
+        <p:spPr>
+          <a:xfrm>
+            <a:off x="0" y="51470"/>
+            <a:ext cx="8892480" cy="277539"/>
+          </a:xfrm>
+        </p:spPr>
+        <p:txBody>
+          <a:bodyPr>
+            <a:normAutofit fontScale="90000"/>
+          </a:bodyPr>
+          <a:lstStyle/>
+          <a:p>
+            <a:pPr algn="l"/>
+            <a:r>
+              <a:rPr lang="zh-CN" altLang="en-US" sz="2000" dirty="0" smtClean="0">
+                <a:solidFill>
+                  <a:schemeClr val="tx2">
+                    <a:lumMod val="60000"/>
+                    <a:lumOff val="40000"/>
+                  </a:schemeClr>
+                </a:solidFill>
+              </a:rPr>
+              <a:t>客户端示例</a:t>
+            </a:r>
+            <a:r>
+              <a:rPr lang="en-US" altLang="zh-CN" sz="2000" dirty="0">
+                <a:solidFill>
+                  <a:schemeClr val="tx2">
+                    <a:lumMod val="60000"/>
+                    <a:lumOff val="40000"/>
+                  </a:schemeClr>
+                </a:solidFill>
+              </a:rPr>
+              <a:t>-</a:t>
+            </a:r>
+            <a:r>
+              <a:rPr lang="en-US" altLang="zh-CN" sz="2000" dirty="0" smtClean="0">
+                <a:solidFill>
+                  <a:schemeClr val="tx2">
+                    <a:lumMod val="60000"/>
+                    <a:lumOff val="40000"/>
+                  </a:schemeClr>
+                </a:solidFill>
+              </a:rPr>
+              <a:t>angularjs1+jquery</a:t>
+            </a:r>
+            <a:endParaRPr lang="zh-CN" altLang="en-US" sz="2000" dirty="0">
+              <a:solidFill>
+                <a:schemeClr val="tx2">
+                  <a:lumMod val="60000"/>
+                  <a:lumOff val="40000"/>
+                </a:schemeClr>
+              </a:solidFill>
+            </a:endParaRPr>
+          </a:p>
+        </p:txBody>
+      </p:sp>
       <p:pic>
         <p:nvPicPr>
-          <p:cNvPr id="4" name="图片 3"/>
+          <p:cNvPr id="5" name="图片 4"/>
           <p:cNvPicPr>
             <a:picLocks noChangeAspect="1"/>
           </p:cNvPicPr>
@@ -3534,8 +3601,8 @@
         </p:blipFill>
         <p:spPr>
           <a:xfrm>
-            <a:off x="35496" y="555526"/>
-            <a:ext cx="4504765" cy="5143500"/>
+            <a:off x="82823" y="2925237"/>
+            <a:ext cx="2899535" cy="2742857"/>
           </a:xfrm>
           <a:prstGeom prst="rect">
             <a:avLst/>
@@ -3544,7 +3611,7 @@
       </p:pic>
       <p:pic>
         <p:nvPicPr>
-          <p:cNvPr id="5" name="图片 4"/>
+          <p:cNvPr id="6" name="图片 5"/>
           <p:cNvPicPr>
             <a:picLocks noChangeAspect="1"/>
           </p:cNvPicPr>
@@ -3558,138 +3625,72 @@
         </p:blipFill>
         <p:spPr>
           <a:xfrm>
-            <a:off x="4572000" y="555526"/>
-            <a:ext cx="4501249" cy="5143500"/>
+            <a:off x="3091086" y="-20538"/>
+            <a:ext cx="4032448" cy="5143500"/>
           </a:xfrm>
           <a:prstGeom prst="rect">
             <a:avLst/>
           </a:prstGeom>
         </p:spPr>
       </p:pic>
-      <p:sp>
-        <p:nvSpPr>
-          <p:cNvPr id="6" name="标题 1"/>
-          <p:cNvSpPr>
-            <a:spLocks noGrp="1"/>
-          </p:cNvSpPr>
-          <p:nvPr>
-            <p:ph type="title"/>
-          </p:nvPr>
-        </p:nvSpPr>
+      <p:pic>
+        <p:nvPicPr>
+          <p:cNvPr id="7" name="图片 6"/>
+          <p:cNvPicPr>
+            <a:picLocks noChangeAspect="1"/>
+          </p:cNvPicPr>
+          <p:nvPr/>
+        </p:nvPicPr>
+        <p:blipFill>
+          <a:blip r:embed="rId4"/>
+          <a:stretch>
+            <a:fillRect/>
+          </a:stretch>
+        </p:blipFill>
         <p:spPr>
           <a:xfrm>
-            <a:off x="0" y="51470"/>
-            <a:ext cx="8892480" cy="277539"/>
+            <a:off x="7232261" y="-20538"/>
+            <a:ext cx="3532427" cy="5143500"/>
           </a:xfrm>
+          <a:prstGeom prst="rect">
+            <a:avLst/>
+          </a:prstGeom>
         </p:spPr>
-        <p:txBody>
-          <a:bodyPr>
-            <a:normAutofit fontScale="90000"/>
-          </a:bodyPr>
-          <a:lstStyle/>
-          <a:p>
-            <a:pPr algn="l"/>
-            <a:r>
-              <a:rPr lang="zh-CN" altLang="en-US" sz="2000" dirty="0">
-                <a:solidFill>
-                  <a:schemeClr val="tx2">
-                    <a:lumMod val="60000"/>
-                    <a:lumOff val="40000"/>
-                  </a:schemeClr>
-                </a:solidFill>
-              </a:rPr>
-              <a:t>服务端</a:t>
-            </a:r>
-            <a:r>
-              <a:rPr lang="en-US" altLang="zh-CN" sz="2000" dirty="0" smtClean="0">
-                <a:solidFill>
-                  <a:schemeClr val="tx2">
-                    <a:lumMod val="60000"/>
-                    <a:lumOff val="40000"/>
-                  </a:schemeClr>
-                </a:solidFill>
-              </a:rPr>
-              <a:t>-</a:t>
-            </a:r>
-            <a:r>
-              <a:rPr lang="zh-CN" altLang="en-US" sz="2000" dirty="0" smtClean="0">
-                <a:solidFill>
-                  <a:schemeClr val="tx2">
-                    <a:lumMod val="60000"/>
-                    <a:lumOff val="40000"/>
-                  </a:schemeClr>
-                </a:solidFill>
-              </a:rPr>
-              <a:t>权限验证</a:t>
-            </a:r>
-            <a:r>
-              <a:rPr lang="en-US" altLang="zh-CN" sz="2000" dirty="0" smtClean="0">
-                <a:solidFill>
-                  <a:schemeClr val="tx2">
-                    <a:lumMod val="60000"/>
-                    <a:lumOff val="40000"/>
-                  </a:schemeClr>
-                </a:solidFill>
-              </a:rPr>
-              <a:t>-</a:t>
-            </a:r>
-            <a:r>
-              <a:rPr lang="zh-CN" altLang="en-US" sz="2000" dirty="0" smtClean="0">
-                <a:solidFill>
-                  <a:schemeClr val="tx2">
-                    <a:lumMod val="60000"/>
-                    <a:lumOff val="40000"/>
-                  </a:schemeClr>
-                </a:solidFill>
-              </a:rPr>
-              <a:t>权限</a:t>
-            </a:r>
-            <a:r>
-              <a:rPr lang="en-US" altLang="zh-CN" sz="2000" dirty="0" smtClean="0">
-                <a:solidFill>
-                  <a:schemeClr val="tx2">
-                    <a:lumMod val="60000"/>
-                    <a:lumOff val="40000"/>
-                  </a:schemeClr>
-                </a:solidFill>
-              </a:rPr>
-              <a:t>/</a:t>
-            </a:r>
-            <a:r>
-              <a:rPr lang="zh-CN" altLang="en-US" sz="2000" dirty="0" smtClean="0">
-                <a:solidFill>
-                  <a:schemeClr val="tx2">
-                    <a:lumMod val="60000"/>
-                    <a:lumOff val="40000"/>
-                  </a:schemeClr>
-                </a:solidFill>
-              </a:rPr>
-              <a:t>角色 </a:t>
-            </a:r>
-            <a:r>
-              <a:rPr lang="zh-CN" altLang="en-US" sz="2000" dirty="0">
-                <a:solidFill>
-                  <a:schemeClr val="tx2">
-                    <a:lumMod val="60000"/>
-                    <a:lumOff val="40000"/>
-                  </a:schemeClr>
-                </a:solidFill>
-              </a:rPr>
-              <a:t>判断</a:t>
-            </a:r>
-          </a:p>
-        </p:txBody>
-      </p:sp>
-      <p:sp>
-        <p:nvSpPr>
-          <p:cNvPr id="9" name="文本框 8"/>
+      </p:pic>
+      <p:pic>
+        <p:nvPicPr>
+          <p:cNvPr id="8" name="图片 7"/>
+          <p:cNvPicPr>
+            <a:picLocks noChangeAspect="1"/>
+          </p:cNvPicPr>
+          <p:nvPr/>
+        </p:nvPicPr>
+        <p:blipFill>
+          <a:blip r:embed="rId5"/>
+          <a:stretch>
+            <a:fillRect/>
+          </a:stretch>
+        </p:blipFill>
+        <p:spPr>
+          <a:xfrm>
+            <a:off x="55028" y="1275606"/>
+            <a:ext cx="2927329" cy="1542857"/>
+          </a:xfrm>
+          <a:prstGeom prst="rect">
+            <a:avLst/>
+          </a:prstGeom>
+        </p:spPr>
+      </p:pic>
+      <p:sp>
+        <p:nvSpPr>
+          <p:cNvPr id="10" name="文本框 9"/>
           <p:cNvSpPr txBox="1"/>
           <p:nvPr/>
         </p:nvSpPr>
         <p:spPr>
           <a:xfrm>
             <a:off x="45537" y="339502"/>
-            <a:ext cx="2942287" cy="230832"/>
+            <a:ext cx="2942287" cy="923330"/>
           </a:xfrm>
           <a:prstGeom prst="rect">
             <a:avLst/>
@@ -3708,52 +3709,298 @@
                   <a:srgbClr val="FF0000"/>
                 </a:solidFill>
               </a:rPr>
-              <a:t>权限匹配符支持两种类型  </a:t>
-            </a:r>
-            <a:r>
-              <a:rPr lang="en-US" altLang="zh-CN" sz="900" dirty="0" smtClean="0">
-                <a:solidFill>
-                  <a:srgbClr val="FF0000"/>
-                </a:solidFill>
-              </a:rPr>
-              <a:t>1.</a:t>
-            </a:r>
-            <a:r>
-              <a:rPr lang="zh-CN" altLang="en-US" sz="900" dirty="0" smtClean="0">
-                <a:solidFill>
-                  <a:srgbClr val="FF0000"/>
-                </a:solidFill>
-              </a:rPr>
-              <a:t>权限匹配符  </a:t>
-            </a:r>
-            <a:r>
-              <a:rPr lang="en-US" altLang="zh-CN" sz="900" dirty="0" smtClean="0">
-                <a:solidFill>
-                  <a:srgbClr val="FF0000"/>
-                </a:solidFill>
-              </a:rPr>
-              <a:t>2.</a:t>
-            </a:r>
-            <a:r>
-              <a:rPr lang="zh-CN" altLang="en-US" sz="900" dirty="0" smtClean="0">
-                <a:solidFill>
-                  <a:srgbClr val="FF0000"/>
-                </a:solidFill>
-              </a:rPr>
-              <a:t>角色</a:t>
-            </a:r>
-            <a:endParaRPr lang="zh-CN" altLang="en-US" sz="900" dirty="0">
+              <a:t>步骤</a:t>
+            </a:r>
+            <a:endParaRPr lang="en-US" altLang="zh-CN" sz="900" dirty="0" smtClean="0">
               <a:solidFill>
                 <a:srgbClr val="FF0000"/>
               </a:solidFill>
             </a:endParaRPr>
           </a:p>
-        </p:txBody>
-      </p:sp>
+          <a:p>
+            <a:r>
+              <a:rPr lang="en-US" altLang="zh-CN" sz="900" dirty="0" smtClean="0">
+                <a:solidFill>
+                  <a:srgbClr val="FF0000"/>
+                </a:solidFill>
+              </a:rPr>
+              <a:t>1.</a:t>
+            </a:r>
+            <a:r>
+              <a:rPr lang="zh-CN" altLang="en-US" sz="900" dirty="0" smtClean="0">
+                <a:solidFill>
+                  <a:srgbClr val="FF0000"/>
+                </a:solidFill>
+              </a:rPr>
+              <a:t>执行</a:t>
+            </a:r>
+            <a:r>
+              <a:rPr lang="en-US" altLang="zh-CN" sz="900" dirty="0" err="1" smtClean="0">
+                <a:solidFill>
+                  <a:srgbClr val="FF0000"/>
+                </a:solidFill>
+              </a:rPr>
+              <a:t>staff.init</a:t>
+            </a:r>
+            <a:r>
+              <a:rPr lang="en-US" altLang="zh-CN" sz="900" dirty="0" smtClean="0">
+                <a:solidFill>
+                  <a:srgbClr val="FF0000"/>
+                </a:solidFill>
+              </a:rPr>
+              <a:t>(</a:t>
+            </a:r>
+            <a:r>
+              <a:rPr lang="en-US" altLang="zh-CN" sz="900" dirty="0" err="1" smtClean="0">
+                <a:solidFill>
+                  <a:srgbClr val="FF0000"/>
+                </a:solidFill>
+              </a:rPr>
+              <a:t>js</a:t>
+            </a:r>
+            <a:r>
+              <a:rPr lang="zh-CN" altLang="en-US" sz="900" dirty="0" smtClean="0">
+                <a:solidFill>
+                  <a:srgbClr val="FF0000"/>
+                </a:solidFill>
+              </a:rPr>
+              <a:t>函数</a:t>
+            </a:r>
+            <a:r>
+              <a:rPr lang="en-US" altLang="zh-CN" sz="900" dirty="0" smtClean="0">
+                <a:solidFill>
+                  <a:srgbClr val="FF0000"/>
+                </a:solidFill>
+              </a:rPr>
+              <a:t>)</a:t>
+            </a:r>
+          </a:p>
+          <a:p>
+            <a:r>
+              <a:rPr lang="en-US" altLang="zh-CN" sz="900" dirty="0" smtClean="0">
+                <a:solidFill>
+                  <a:srgbClr val="FF0000"/>
+                </a:solidFill>
+              </a:rPr>
+              <a:t>2.</a:t>
+            </a:r>
+            <a:r>
+              <a:rPr lang="zh-CN" altLang="en-US" sz="900" dirty="0" smtClean="0">
+                <a:solidFill>
+                  <a:srgbClr val="FF0000"/>
+                </a:solidFill>
+              </a:rPr>
+              <a:t>验证用户是否登录</a:t>
+            </a:r>
+            <a:r>
+              <a:rPr lang="en-US" altLang="zh-CN" sz="900" dirty="0" smtClean="0">
+                <a:solidFill>
+                  <a:srgbClr val="FF0000"/>
+                </a:solidFill>
+              </a:rPr>
+              <a:t>/</a:t>
+            </a:r>
+            <a:r>
+              <a:rPr lang="zh-CN" altLang="en-US" sz="900" dirty="0" smtClean="0">
+                <a:solidFill>
+                  <a:srgbClr val="FF0000"/>
+                </a:solidFill>
+              </a:rPr>
+              <a:t>验证用户是否过期</a:t>
+            </a:r>
+            <a:endParaRPr lang="en-US" altLang="zh-CN" sz="900" dirty="0" smtClean="0">
+              <a:solidFill>
+                <a:srgbClr val="FF0000"/>
+              </a:solidFill>
+            </a:endParaRPr>
+          </a:p>
+          <a:p>
+            <a:r>
+              <a:rPr lang="en-US" altLang="zh-CN" sz="900" dirty="0" smtClean="0">
+                <a:solidFill>
+                  <a:srgbClr val="FF0000"/>
+                </a:solidFill>
+              </a:rPr>
+              <a:t>3.</a:t>
+            </a:r>
+            <a:r>
+              <a:rPr lang="zh-CN" altLang="en-US" sz="900" dirty="0" smtClean="0">
+                <a:solidFill>
+                  <a:srgbClr val="FF0000"/>
+                </a:solidFill>
+              </a:rPr>
+              <a:t>未登录</a:t>
+            </a:r>
+            <a:r>
+              <a:rPr lang="en-US" altLang="zh-CN" sz="900" dirty="0" smtClean="0">
+                <a:solidFill>
+                  <a:srgbClr val="FF0000"/>
+                </a:solidFill>
+              </a:rPr>
+              <a:t>or</a:t>
+            </a:r>
+            <a:r>
+              <a:rPr lang="zh-CN" altLang="en-US" sz="900" dirty="0">
+                <a:solidFill>
+                  <a:srgbClr val="FF0000"/>
+                </a:solidFill>
+              </a:rPr>
+              <a:t>已过期</a:t>
+            </a:r>
+            <a:r>
+              <a:rPr lang="en-US" altLang="zh-CN" sz="900" dirty="0" smtClean="0">
+                <a:solidFill>
+                  <a:srgbClr val="FF0000"/>
+                </a:solidFill>
+              </a:rPr>
+              <a:t>,</a:t>
+            </a:r>
+            <a:r>
+              <a:rPr lang="zh-CN" altLang="en-US" sz="900" dirty="0">
+                <a:solidFill>
+                  <a:srgbClr val="FF0000"/>
+                </a:solidFill>
+              </a:rPr>
+              <a:t>跳</a:t>
+            </a:r>
+            <a:r>
+              <a:rPr lang="zh-CN" altLang="en-US" sz="900" dirty="0" smtClean="0">
+                <a:solidFill>
+                  <a:srgbClr val="FF0000"/>
+                </a:solidFill>
+              </a:rPr>
+              <a:t>转登录界面</a:t>
+            </a:r>
+            <a:endParaRPr lang="en-US" altLang="zh-CN" sz="900" dirty="0" smtClean="0">
+              <a:solidFill>
+                <a:srgbClr val="FF0000"/>
+              </a:solidFill>
+            </a:endParaRPr>
+          </a:p>
+          <a:p>
+            <a:r>
+              <a:rPr lang="en-US" altLang="zh-CN" sz="900" dirty="0" smtClean="0">
+                <a:solidFill>
+                  <a:srgbClr val="FF0000"/>
+                </a:solidFill>
+              </a:rPr>
+              <a:t>4.</a:t>
+            </a:r>
+            <a:r>
+              <a:rPr lang="zh-CN" altLang="en-US" sz="900" dirty="0" smtClean="0">
+                <a:solidFill>
+                  <a:srgbClr val="FF0000"/>
+                </a:solidFill>
+              </a:rPr>
+              <a:t>授权还有</a:t>
+            </a:r>
+            <a:r>
+              <a:rPr lang="en-US" altLang="zh-CN" sz="900" dirty="0" smtClean="0">
+                <a:solidFill>
+                  <a:srgbClr val="FF0000"/>
+                </a:solidFill>
+              </a:rPr>
+              <a:t>10</a:t>
+            </a:r>
+            <a:r>
+              <a:rPr lang="zh-CN" altLang="en-US" sz="900" dirty="0" smtClean="0">
+                <a:solidFill>
+                  <a:srgbClr val="FF0000"/>
+                </a:solidFill>
+              </a:rPr>
+              <a:t>分钟过期</a:t>
+            </a:r>
+            <a:r>
+              <a:rPr lang="en-US" altLang="zh-CN" sz="900" dirty="0" smtClean="0">
+                <a:solidFill>
+                  <a:srgbClr val="FF0000"/>
+                </a:solidFill>
+              </a:rPr>
+              <a:t>,</a:t>
+            </a:r>
+            <a:r>
+              <a:rPr lang="zh-CN" altLang="en-US" sz="900" dirty="0" smtClean="0">
+                <a:solidFill>
+                  <a:srgbClr val="FF0000"/>
+                </a:solidFill>
+              </a:rPr>
+              <a:t>刷新授权</a:t>
+            </a:r>
+            <a:endParaRPr lang="en-US" altLang="zh-CN" sz="900" dirty="0" smtClean="0">
+              <a:solidFill>
+                <a:srgbClr val="FF0000"/>
+              </a:solidFill>
+            </a:endParaRPr>
+          </a:p>
+          <a:p>
+            <a:r>
+              <a:rPr lang="en-US" altLang="zh-CN" sz="900" dirty="0" smtClean="0">
+                <a:solidFill>
+                  <a:srgbClr val="FF0000"/>
+                </a:solidFill>
+              </a:rPr>
+              <a:t>5.</a:t>
+            </a:r>
+            <a:r>
+              <a:rPr lang="zh-CN" altLang="en-US" sz="900" dirty="0" smtClean="0">
+                <a:solidFill>
+                  <a:srgbClr val="FF0000"/>
+                </a:solidFill>
+              </a:rPr>
+              <a:t>回调执行</a:t>
+            </a:r>
+            <a:r>
+              <a:rPr lang="en-US" altLang="zh-CN" sz="900" dirty="0" err="1" smtClean="0">
+                <a:solidFill>
+                  <a:srgbClr val="FF0000"/>
+                </a:solidFill>
+              </a:rPr>
+              <a:t>js</a:t>
+            </a:r>
+            <a:r>
+              <a:rPr lang="zh-CN" altLang="en-US" sz="900" dirty="0" smtClean="0">
+                <a:solidFill>
+                  <a:srgbClr val="FF0000"/>
+                </a:solidFill>
+              </a:rPr>
+              <a:t>代码</a:t>
+            </a:r>
+            <a:endParaRPr lang="en-US" altLang="zh-CN" sz="900" dirty="0" smtClean="0">
+              <a:solidFill>
+                <a:srgbClr val="FF0000"/>
+              </a:solidFill>
+            </a:endParaRPr>
+          </a:p>
+        </p:txBody>
+      </p:sp>
+      <p:pic>
+        <p:nvPicPr>
+          <p:cNvPr id="3" name="图片 2"/>
+          <p:cNvPicPr>
+            <a:picLocks noChangeAspect="1"/>
+          </p:cNvPicPr>
+          <p:nvPr/>
+        </p:nvPicPr>
+        <p:blipFill>
+          <a:blip r:embed="rId6"/>
+          <a:stretch>
+            <a:fillRect/>
+          </a:stretch>
+        </p:blipFill>
+        <p:spPr>
+          <a:xfrm>
+            <a:off x="5796136" y="2226461"/>
+            <a:ext cx="9144000" cy="3369800"/>
+          </a:xfrm>
+          <a:prstGeom prst="rect">
+            <a:avLst/>
+          </a:prstGeom>
+        </p:spPr>
+      </p:pic>
     </p:spTree>
     <p:extLst>
       <p:ext uri="{BB962C8B-B14F-4D97-AF65-F5344CB8AC3E}">
-        <p14:creationId xmlns:p14="http://schemas.microsoft.com/office/powerpoint/2010/main" val="75361813"/>
+        <p14:creationId xmlns:p14="http://schemas.microsoft.com/office/powerpoint/2010/main" val="1797091783"/>
       </p:ext>
     </p:extLst>
   </p:cSld>
@@ -4039,7 +4286,7 @@
           <a:p>
             <a:pPr algn="l"/>
             <a:r>
-              <a:rPr lang="zh-CN" altLang="en-US" sz="2000" dirty="0" smtClean="0">
+              <a:rPr lang="zh-CN" altLang="en-US" sz="2000" dirty="0">
                 <a:solidFill>
                   <a:schemeClr val="tx2">
                     <a:lumMod val="60000"/>
@@ -4047,7 +4294,7 @@
                   </a:schemeClr>
                 </a:solidFill>
               </a:rPr>
-              <a:t>客户端示例</a:t>
+              <a:t>服务端</a:t>
             </a:r>
             <a:r>
               <a:rPr lang="en-US" altLang="zh-CN" sz="2000" dirty="0">
@@ -4061,7 +4308,7 @@
               <a:t>-</a:t>
             </a:r>
             <a:r>
-              <a:rPr lang="en-US" altLang="zh-CN" sz="2000" dirty="0" smtClean="0">
+              <a:rPr lang="zh-CN" altLang="en-US" sz="2000" dirty="0">
                 <a:solidFill>
                   <a:schemeClr val="tx2">
                     <a:lumMod val="60000"/>
@@ -4069,7 +4316,18 @@
                   </a:schemeClr>
                 </a:solidFill>
               </a:rPr>
-              <a:t>angularjs1+jquery</a:t>
+              <a:t>权限</a:t>
+            </a:r>
+            <a:r>
+              <a:rPr lang="zh-CN" altLang="en-US" sz="2000" dirty="0" smtClean="0">
+                <a:solidFill>
+                  <a:schemeClr val="tx2">
+                    <a:lumMod val="60000"/>
+                    <a:lumOff val="40000"/>
+                  </a:schemeClr>
+                </a:solidFill>
+              </a:rPr>
+              <a:t>验证</a:t>
             </a:r>
             <a:endParaRPr lang="zh-CN" altLang="en-US" sz="2000" dirty="0">
               <a:solidFill>
@@ -4285,515 +4543,6 @@
       </p:grpSpPr>
       <p:sp>
         <p:nvSpPr>
-          <p:cNvPr id="2" name="标题 1"/>
-          <p:cNvSpPr>
-            <a:spLocks noGrp="1"/>
-          </p:cNvSpPr>
-          <p:nvPr>
-            <p:ph type="title"/>
-          </p:nvPr>
-        </p:nvSpPr>
-        <p:spPr>
-          <a:xfrm>
-            <a:off x="0" y="51470"/>
-            <a:ext cx="8892480" cy="277539"/>
-          </a:xfrm>
-        </p:spPr>
-        <p:txBody>
-          <a:bodyPr>
-            <a:normAutofit fontScale="90000"/>
-          </a:bodyPr>
-          <a:lstStyle/>
-          <a:p>
-            <a:pPr algn="l"/>
-            <a:r>
-              <a:rPr lang="zh-CN" altLang="en-US" sz="2000" dirty="0" smtClean="0">
-                <a:solidFill>
-                  <a:schemeClr val="tx2">
-                    <a:lumMod val="60000"/>
-                    <a:lumOff val="40000"/>
-                  </a:schemeClr>
-                </a:solidFill>
-              </a:rPr>
-              <a:t>客户端示例</a:t>
-            </a:r>
-            <a:r>
-              <a:rPr lang="en-US" altLang="zh-CN" sz="2000" dirty="0">
-                <a:solidFill>
-                  <a:schemeClr val="tx2">
-                    <a:lumMod val="60000"/>
-                    <a:lumOff val="40000"/>
-                  </a:schemeClr>
-                </a:solidFill>
-              </a:rPr>
-              <a:t>-</a:t>
-            </a:r>
-            <a:r>
-              <a:rPr lang="en-US" altLang="zh-CN" sz="2000" dirty="0" smtClean="0">
-                <a:solidFill>
-                  <a:schemeClr val="tx2">
-                    <a:lumMod val="60000"/>
-                    <a:lumOff val="40000"/>
-                  </a:schemeClr>
-                </a:solidFill>
-              </a:rPr>
-              <a:t>angularjs1+jquery</a:t>
-            </a:r>
-            <a:endParaRPr lang="zh-CN" altLang="en-US" sz="2000" dirty="0">
-              <a:solidFill>
-                <a:schemeClr val="tx2">
-                  <a:lumMod val="60000"/>
-                  <a:lumOff val="40000"/>
-                </a:schemeClr>
-              </a:solidFill>
-            </a:endParaRPr>
-          </a:p>
-        </p:txBody>
-      </p:sp>
-      <p:pic>
-        <p:nvPicPr>
-          <p:cNvPr id="5" name="图片 4"/>
-          <p:cNvPicPr>
-            <a:picLocks noChangeAspect="1"/>
-          </p:cNvPicPr>
-          <p:nvPr/>
-        </p:nvPicPr>
-        <p:blipFill>
-          <a:blip r:embed="rId2"/>
-          <a:stretch>
-            <a:fillRect/>
-          </a:stretch>
-        </p:blipFill>
-        <p:spPr>
-          <a:xfrm>
-            <a:off x="82823" y="2925237"/>
-            <a:ext cx="2899535" cy="2742857"/>
-          </a:xfrm>
-          <a:prstGeom prst="rect">
-            <a:avLst/>
-          </a:prstGeom>
-        </p:spPr>
-      </p:pic>
-      <p:pic>
-        <p:nvPicPr>
-          <p:cNvPr id="6" name="图片 5"/>
-          <p:cNvPicPr>
-            <a:picLocks noChangeAspect="1"/>
-          </p:cNvPicPr>
-          <p:nvPr/>
-        </p:nvPicPr>
-        <p:blipFill>
-          <a:blip r:embed="rId3"/>
-          <a:stretch>
-            <a:fillRect/>
-          </a:stretch>
-        </p:blipFill>
-        <p:spPr>
-          <a:xfrm>
-            <a:off x="3091086" y="-20538"/>
-            <a:ext cx="4032448" cy="5143500"/>
-          </a:xfrm>
-          <a:prstGeom prst="rect">
-            <a:avLst/>
-          </a:prstGeom>
-        </p:spPr>
-      </p:pic>
-      <p:pic>
-        <p:nvPicPr>
-          <p:cNvPr id="7" name="图片 6"/>
-          <p:cNvPicPr>
-            <a:picLocks noChangeAspect="1"/>
-          </p:cNvPicPr>
-          <p:nvPr/>
-        </p:nvPicPr>
-        <p:blipFill>
-          <a:blip r:embed="rId4"/>
-          <a:stretch>
-            <a:fillRect/>
-          </a:stretch>
-        </p:blipFill>
-        <p:spPr>
-          <a:xfrm>
-            <a:off x="7232261" y="-20538"/>
-            <a:ext cx="3532427" cy="5143500"/>
-          </a:xfrm>
-          <a:prstGeom prst="rect">
-            <a:avLst/>
-          </a:prstGeom>
-        </p:spPr>
-      </p:pic>
-      <p:pic>
-        <p:nvPicPr>
-          <p:cNvPr id="8" name="图片 7"/>
-          <p:cNvPicPr>
-            <a:picLocks noChangeAspect="1"/>
-          </p:cNvPicPr>
-          <p:nvPr/>
-        </p:nvPicPr>
-        <p:blipFill>
-          <a:blip r:embed="rId5"/>
-          <a:stretch>
-            <a:fillRect/>
-          </a:stretch>
-        </p:blipFill>
-        <p:spPr>
-          <a:xfrm>
-            <a:off x="55028" y="1275606"/>
-            <a:ext cx="2927329" cy="1542857"/>
-          </a:xfrm>
-          <a:prstGeom prst="rect">
-            <a:avLst/>
-          </a:prstGeom>
-        </p:spPr>
-      </p:pic>
-      <p:sp>
-        <p:nvSpPr>
-          <p:cNvPr id="10" name="文本框 9"/>
-          <p:cNvSpPr txBox="1"/>
-          <p:nvPr/>
-        </p:nvSpPr>
-        <p:spPr>
-          <a:xfrm>
-            <a:off x="45537" y="339502"/>
-            <a:ext cx="2942287" cy="923330"/>
-          </a:xfrm>
-          <a:prstGeom prst="rect">
-            <a:avLst/>
-          </a:prstGeom>
-          <a:noFill/>
-        </p:spPr>
-        <p:txBody>
-          <a:bodyPr wrap="square" rtlCol="0">
-            <a:spAutoFit/>
-          </a:bodyPr>
-          <a:lstStyle/>
-          <a:p>
-            <a:r>
-              <a:rPr lang="zh-CN" altLang="en-US" sz="900" dirty="0" smtClean="0">
-                <a:solidFill>
-                  <a:srgbClr val="FF0000"/>
-                </a:solidFill>
-              </a:rPr>
-              <a:t>步骤</a:t>
-            </a:r>
-            <a:endParaRPr lang="en-US" altLang="zh-CN" sz="900" dirty="0" smtClean="0">
-              <a:solidFill>
-                <a:srgbClr val="FF0000"/>
-              </a:solidFill>
-            </a:endParaRPr>
-          </a:p>
-          <a:p>
-            <a:r>
-              <a:rPr lang="en-US" altLang="zh-CN" sz="900" dirty="0" smtClean="0">
-                <a:solidFill>
-                  <a:srgbClr val="FF0000"/>
-                </a:solidFill>
-              </a:rPr>
-              <a:t>1.</a:t>
-            </a:r>
-            <a:r>
-              <a:rPr lang="zh-CN" altLang="en-US" sz="900" dirty="0" smtClean="0">
-                <a:solidFill>
-                  <a:srgbClr val="FF0000"/>
-                </a:solidFill>
-              </a:rPr>
-              <a:t>执行</a:t>
-            </a:r>
-            <a:r>
-              <a:rPr lang="en-US" altLang="zh-CN" sz="900" dirty="0" err="1" smtClean="0">
-                <a:solidFill>
-                  <a:srgbClr val="FF0000"/>
-                </a:solidFill>
-              </a:rPr>
-              <a:t>staff.init</a:t>
-            </a:r>
-            <a:r>
-              <a:rPr lang="en-US" altLang="zh-CN" sz="900" dirty="0" smtClean="0">
-                <a:solidFill>
-                  <a:srgbClr val="FF0000"/>
-                </a:solidFill>
-              </a:rPr>
-              <a:t>(</a:t>
-            </a:r>
-            <a:r>
-              <a:rPr lang="en-US" altLang="zh-CN" sz="900" dirty="0" err="1" smtClean="0">
-                <a:solidFill>
-                  <a:srgbClr val="FF0000"/>
-                </a:solidFill>
-              </a:rPr>
-              <a:t>js</a:t>
-            </a:r>
-            <a:r>
-              <a:rPr lang="zh-CN" altLang="en-US" sz="900" dirty="0" smtClean="0">
-                <a:solidFill>
-                  <a:srgbClr val="FF0000"/>
-                </a:solidFill>
-              </a:rPr>
-              <a:t>函数</a:t>
-            </a:r>
-            <a:r>
-              <a:rPr lang="en-US" altLang="zh-CN" sz="900" dirty="0" smtClean="0">
-                <a:solidFill>
-                  <a:srgbClr val="FF0000"/>
-                </a:solidFill>
-              </a:rPr>
-              <a:t>)</a:t>
-            </a:r>
-          </a:p>
-          <a:p>
-            <a:r>
-              <a:rPr lang="en-US" altLang="zh-CN" sz="900" dirty="0" smtClean="0">
-                <a:solidFill>
-                  <a:srgbClr val="FF0000"/>
-                </a:solidFill>
-              </a:rPr>
-              <a:t>2.</a:t>
-            </a:r>
-            <a:r>
-              <a:rPr lang="zh-CN" altLang="en-US" sz="900" dirty="0" smtClean="0">
-                <a:solidFill>
-                  <a:srgbClr val="FF0000"/>
-                </a:solidFill>
-              </a:rPr>
-              <a:t>验证用户是否登录</a:t>
-            </a:r>
-            <a:r>
-              <a:rPr lang="en-US" altLang="zh-CN" sz="900" dirty="0" smtClean="0">
-                <a:solidFill>
-                  <a:srgbClr val="FF0000"/>
-                </a:solidFill>
-              </a:rPr>
-              <a:t>/</a:t>
-            </a:r>
-            <a:r>
-              <a:rPr lang="zh-CN" altLang="en-US" sz="900" dirty="0" smtClean="0">
-                <a:solidFill>
-                  <a:srgbClr val="FF0000"/>
-                </a:solidFill>
-              </a:rPr>
-              <a:t>验证用户是否过期</a:t>
-            </a:r>
-            <a:endParaRPr lang="en-US" altLang="zh-CN" sz="900" dirty="0" smtClean="0">
-              <a:solidFill>
-                <a:srgbClr val="FF0000"/>
-              </a:solidFill>
-            </a:endParaRPr>
-          </a:p>
-          <a:p>
-            <a:r>
-              <a:rPr lang="en-US" altLang="zh-CN" sz="900" dirty="0" smtClean="0">
-                <a:solidFill>
-                  <a:srgbClr val="FF0000"/>
-                </a:solidFill>
-              </a:rPr>
-              <a:t>3.</a:t>
-            </a:r>
-            <a:r>
-              <a:rPr lang="zh-CN" altLang="en-US" sz="900" dirty="0" smtClean="0">
-                <a:solidFill>
-                  <a:srgbClr val="FF0000"/>
-                </a:solidFill>
-              </a:rPr>
-              <a:t>未登录</a:t>
-            </a:r>
-            <a:r>
-              <a:rPr lang="en-US" altLang="zh-CN" sz="900" dirty="0" smtClean="0">
-                <a:solidFill>
-                  <a:srgbClr val="FF0000"/>
-                </a:solidFill>
-              </a:rPr>
-              <a:t>or</a:t>
-            </a:r>
-            <a:r>
-              <a:rPr lang="zh-CN" altLang="en-US" sz="900" dirty="0">
-                <a:solidFill>
-                  <a:srgbClr val="FF0000"/>
-                </a:solidFill>
-              </a:rPr>
-              <a:t>已过期</a:t>
-            </a:r>
-            <a:r>
-              <a:rPr lang="en-US" altLang="zh-CN" sz="900" dirty="0" smtClean="0">
-                <a:solidFill>
-                  <a:srgbClr val="FF0000"/>
-                </a:solidFill>
-              </a:rPr>
-              <a:t>,</a:t>
-            </a:r>
-            <a:r>
-              <a:rPr lang="zh-CN" altLang="en-US" sz="900" dirty="0">
-                <a:solidFill>
-                  <a:srgbClr val="FF0000"/>
-                </a:solidFill>
-              </a:rPr>
-              <a:t>跳</a:t>
-            </a:r>
-            <a:r>
-              <a:rPr lang="zh-CN" altLang="en-US" sz="900" dirty="0" smtClean="0">
-                <a:solidFill>
-                  <a:srgbClr val="FF0000"/>
-                </a:solidFill>
-              </a:rPr>
-              <a:t>转登录界面</a:t>
-            </a:r>
-            <a:endParaRPr lang="en-US" altLang="zh-CN" sz="900" dirty="0" smtClean="0">
-              <a:solidFill>
-                <a:srgbClr val="FF0000"/>
-              </a:solidFill>
-            </a:endParaRPr>
-          </a:p>
-          <a:p>
-            <a:r>
-              <a:rPr lang="en-US" altLang="zh-CN" sz="900" dirty="0" smtClean="0">
-                <a:solidFill>
-                  <a:srgbClr val="FF0000"/>
-                </a:solidFill>
-              </a:rPr>
-              <a:t>4.</a:t>
-            </a:r>
-            <a:r>
-              <a:rPr lang="zh-CN" altLang="en-US" sz="900" dirty="0" smtClean="0">
-                <a:solidFill>
-                  <a:srgbClr val="FF0000"/>
-                </a:solidFill>
-              </a:rPr>
-              <a:t>授权还有</a:t>
-            </a:r>
-            <a:r>
-              <a:rPr lang="en-US" altLang="zh-CN" sz="900" dirty="0" smtClean="0">
-                <a:solidFill>
-                  <a:srgbClr val="FF0000"/>
-                </a:solidFill>
-              </a:rPr>
-              <a:t>10</a:t>
-            </a:r>
-            <a:r>
-              <a:rPr lang="zh-CN" altLang="en-US" sz="900" dirty="0" smtClean="0">
-                <a:solidFill>
-                  <a:srgbClr val="FF0000"/>
-                </a:solidFill>
-              </a:rPr>
-              <a:t>分钟过期</a:t>
-            </a:r>
-            <a:r>
-              <a:rPr lang="en-US" altLang="zh-CN" sz="900" dirty="0" smtClean="0">
-                <a:solidFill>
-                  <a:srgbClr val="FF0000"/>
-                </a:solidFill>
-              </a:rPr>
-              <a:t>,</a:t>
-            </a:r>
-            <a:r>
-              <a:rPr lang="zh-CN" altLang="en-US" sz="900" dirty="0" smtClean="0">
-                <a:solidFill>
-                  <a:srgbClr val="FF0000"/>
-                </a:solidFill>
-              </a:rPr>
-              <a:t>刷新授权</a:t>
-            </a:r>
-            <a:endParaRPr lang="en-US" altLang="zh-CN" sz="900" dirty="0" smtClean="0">
-              <a:solidFill>
-                <a:srgbClr val="FF0000"/>
-              </a:solidFill>
-            </a:endParaRPr>
-          </a:p>
-          <a:p>
-            <a:r>
-              <a:rPr lang="en-US" altLang="zh-CN" sz="900" dirty="0" smtClean="0">
-                <a:solidFill>
-                  <a:srgbClr val="FF0000"/>
-                </a:solidFill>
-              </a:rPr>
-              <a:t>5.</a:t>
-            </a:r>
-            <a:r>
-              <a:rPr lang="zh-CN" altLang="en-US" sz="900" dirty="0" smtClean="0">
-                <a:solidFill>
-                  <a:srgbClr val="FF0000"/>
-                </a:solidFill>
-              </a:rPr>
-              <a:t>回调执行</a:t>
-            </a:r>
-            <a:r>
-              <a:rPr lang="en-US" altLang="zh-CN" sz="900" dirty="0" err="1" smtClean="0">
-                <a:solidFill>
-                  <a:srgbClr val="FF0000"/>
-                </a:solidFill>
-              </a:rPr>
-              <a:t>js</a:t>
-            </a:r>
-            <a:r>
-              <a:rPr lang="zh-CN" altLang="en-US" sz="900" dirty="0" smtClean="0">
-                <a:solidFill>
-                  <a:srgbClr val="FF0000"/>
-                </a:solidFill>
-              </a:rPr>
-              <a:t>代码</a:t>
-            </a:r>
-            <a:endParaRPr lang="en-US" altLang="zh-CN" sz="900" dirty="0" smtClean="0">
-              <a:solidFill>
-                <a:srgbClr val="FF0000"/>
-              </a:solidFill>
-            </a:endParaRPr>
-          </a:p>
-        </p:txBody>
-      </p:sp>
-      <p:pic>
-        <p:nvPicPr>
-          <p:cNvPr id="3" name="图片 2"/>
-          <p:cNvPicPr>
-            <a:picLocks noChangeAspect="1"/>
-          </p:cNvPicPr>
-          <p:nvPr/>
-        </p:nvPicPr>
-        <p:blipFill>
-          <a:blip r:embed="rId6"/>
-          <a:stretch>
-            <a:fillRect/>
-          </a:stretch>
-        </p:blipFill>
-        <p:spPr>
-          <a:xfrm>
-            <a:off x="5796136" y="2226461"/>
-            <a:ext cx="9144000" cy="3369800"/>
-          </a:xfrm>
-          <a:prstGeom prst="rect">
-            <a:avLst/>
-          </a:prstGeom>
-        </p:spPr>
-      </p:pic>
-    </p:spTree>
-    <p:extLst>
-      <p:ext uri="{BB962C8B-B14F-4D97-AF65-F5344CB8AC3E}">
-        <p14:creationId xmlns:p14="http://schemas.microsoft.com/office/powerpoint/2010/main" val="1797091783"/>
-      </p:ext>
-    </p:extLst>
-  </p:cSld>
-  <p:clrMapOvr>
-    <a:masterClrMapping/>
-  </p:clrMapOvr>
-</p:sld>
-</file>
-
-<file path=ppt/slides/slide8.xml><?xml version="1.0" encoding="utf-8"?>
-<p:sld xmlns:a="http://schemas.openxmlformats.org/drawingml/2006/main" xmlns:r="http://schemas.openxmlformats.org/officeDocument/2006/relationships" xmlns:p="http://schemas.openxmlformats.org/presentationml/2006/main">
-  <p:cSld>
-    <p:spTree>
-      <p:nvGrpSpPr>
-        <p:cNvPr id="1" name=""/>
-        <p:cNvGrpSpPr/>
-        <p:nvPr/>
-      </p:nvGrpSpPr>
-      <p:grpSpPr>
-        <a:xfrm>
-          <a:off x="0" y="0"/>
-          <a:ext cx="0" cy="0"/>
-          <a:chOff x="0" y="0"/>
-          <a:chExt cx="0" cy="0"/>
-        </a:xfrm>
-      </p:grpSpPr>
-      <p:sp>
-        <p:nvSpPr>
           <p:cNvPr id="4" name="标题 1"/>
           <p:cNvSpPr txBox="1">
             <a:spLocks/>
@@ -5610,7 +5359,7 @@
 </p:sld>
 </file>
 
-<file path=ppt/slides/slide9.xml><?xml version="1.0" encoding="utf-8"?>
+<file path=ppt/slides/slide8.xml><?xml version="1.0" encoding="utf-8"?>
 <p:sld xmlns:a="http://schemas.openxmlformats.org/drawingml/2006/main" xmlns:r="http://schemas.openxmlformats.org/officeDocument/2006/relationships" xmlns:p="http://schemas.openxmlformats.org/presentationml/2006/main">
   <p:cSld>
     <p:spTree>
@@ -6048,6 +5797,268 @@
     <p:extLst>
       <p:ext uri="{BB962C8B-B14F-4D97-AF65-F5344CB8AC3E}">
         <p14:creationId xmlns:p14="http://schemas.microsoft.com/office/powerpoint/2010/main" val="800008908"/>
+      </p:ext>
+    </p:extLst>
+  </p:cSld>
+  <p:clrMapOvr>
+    <a:masterClrMapping/>
+  </p:clrMapOvr>
+</p:sld>
+</file>
+
+<file path=ppt/slides/slide9.xml><?xml version="1.0" encoding="utf-8"?>
+<p:sld xmlns:a="http://schemas.openxmlformats.org/drawingml/2006/main" xmlns:r="http://schemas.openxmlformats.org/officeDocument/2006/relationships" xmlns:p="http://schemas.openxmlformats.org/presentationml/2006/main">
+  <p:cSld>
+    <p:spTree>
+      <p:nvGrpSpPr>
+        <p:cNvPr id="1" name=""/>
+        <p:cNvGrpSpPr/>
+        <p:nvPr/>
+      </p:nvGrpSpPr>
+      <p:grpSpPr>
+        <a:xfrm>
+          <a:off x="0" y="0"/>
+          <a:ext cx="0" cy="0"/>
+          <a:chOff x="0" y="0"/>
+          <a:chExt cx="0" cy="0"/>
+        </a:xfrm>
+      </p:grpSpPr>
+      <p:pic>
+        <p:nvPicPr>
+          <p:cNvPr id="4" name="图片 3"/>
+          <p:cNvPicPr>
+            <a:picLocks noChangeAspect="1"/>
+          </p:cNvPicPr>
+          <p:nvPr/>
+        </p:nvPicPr>
+        <p:blipFill>
+          <a:blip r:embed="rId2"/>
+          <a:stretch>
+            <a:fillRect/>
+          </a:stretch>
+        </p:blipFill>
+        <p:spPr>
+          <a:xfrm>
+            <a:off x="35496" y="555526"/>
+            <a:ext cx="4504765" cy="5143500"/>
+          </a:xfrm>
+          <a:prstGeom prst="rect">
+            <a:avLst/>
+          </a:prstGeom>
+        </p:spPr>
+      </p:pic>
+      <p:pic>
+        <p:nvPicPr>
+          <p:cNvPr id="5" name="图片 4"/>
+          <p:cNvPicPr>
+            <a:picLocks noChangeAspect="1"/>
+          </p:cNvPicPr>
+          <p:nvPr/>
+        </p:nvPicPr>
+        <p:blipFill>
+          <a:blip r:embed="rId3"/>
+          <a:stretch>
+            <a:fillRect/>
+          </a:stretch>
+        </p:blipFill>
+        <p:spPr>
+          <a:xfrm>
+            <a:off x="4572000" y="555526"/>
+            <a:ext cx="4501249" cy="5143500"/>
+          </a:xfrm>
+          <a:prstGeom prst="rect">
+            <a:avLst/>
+          </a:prstGeom>
+        </p:spPr>
+      </p:pic>
+      <p:sp>
+        <p:nvSpPr>
+          <p:cNvPr id="6" name="标题 1"/>
+          <p:cNvSpPr>
+            <a:spLocks noGrp="1"/>
+          </p:cNvSpPr>
+          <p:nvPr>
+            <p:ph type="title"/>
+          </p:nvPr>
+        </p:nvSpPr>
+        <p:spPr>
+          <a:xfrm>
+            <a:off x="0" y="51470"/>
+            <a:ext cx="8892480" cy="277539"/>
+          </a:xfrm>
+        </p:spPr>
+        <p:txBody>
+          <a:bodyPr>
+            <a:normAutofit fontScale="90000"/>
+          </a:bodyPr>
+          <a:lstStyle/>
+          <a:p>
+            <a:pPr algn="l"/>
+            <a:r>
+              <a:rPr lang="zh-CN" altLang="en-US" sz="2000" dirty="0">
+                <a:solidFill>
+                  <a:schemeClr val="tx2">
+                    <a:lumMod val="60000"/>
+                    <a:lumOff val="40000"/>
+                  </a:schemeClr>
+                </a:solidFill>
+              </a:rPr>
+              <a:t>服务端</a:t>
+            </a:r>
+            <a:r>
+              <a:rPr lang="en-US" altLang="zh-CN" sz="2000" dirty="0" smtClean="0">
+                <a:solidFill>
+                  <a:schemeClr val="tx2">
+                    <a:lumMod val="60000"/>
+                    <a:lumOff val="40000"/>
+                  </a:schemeClr>
+                </a:solidFill>
+              </a:rPr>
+              <a:t>-</a:t>
+            </a:r>
+            <a:r>
+              <a:rPr lang="zh-CN" altLang="en-US" sz="2000" dirty="0" smtClean="0">
+                <a:solidFill>
+                  <a:schemeClr val="tx2">
+                    <a:lumMod val="60000"/>
+                    <a:lumOff val="40000"/>
+                  </a:schemeClr>
+                </a:solidFill>
+              </a:rPr>
+              <a:t>权限验证</a:t>
+            </a:r>
+            <a:r>
+              <a:rPr lang="en-US" altLang="zh-CN" sz="2000" dirty="0" smtClean="0">
+                <a:solidFill>
+                  <a:schemeClr val="tx2">
+                    <a:lumMod val="60000"/>
+                    <a:lumOff val="40000"/>
+                  </a:schemeClr>
+                </a:solidFill>
+              </a:rPr>
+              <a:t>-</a:t>
+            </a:r>
+            <a:r>
+              <a:rPr lang="zh-CN" altLang="en-US" sz="2000" dirty="0" smtClean="0">
+                <a:solidFill>
+                  <a:schemeClr val="tx2">
+                    <a:lumMod val="60000"/>
+                    <a:lumOff val="40000"/>
+                  </a:schemeClr>
+                </a:solidFill>
+              </a:rPr>
+              <a:t>权限</a:t>
+            </a:r>
+            <a:r>
+              <a:rPr lang="en-US" altLang="zh-CN" sz="2000" dirty="0" smtClean="0">
+                <a:solidFill>
+                  <a:schemeClr val="tx2">
+                    <a:lumMod val="60000"/>
+                    <a:lumOff val="40000"/>
+                  </a:schemeClr>
+                </a:solidFill>
+              </a:rPr>
+              <a:t>/</a:t>
+            </a:r>
+            <a:r>
+              <a:rPr lang="zh-CN" altLang="en-US" sz="2000" dirty="0" smtClean="0">
+                <a:solidFill>
+                  <a:schemeClr val="tx2">
+                    <a:lumMod val="60000"/>
+                    <a:lumOff val="40000"/>
+                  </a:schemeClr>
+                </a:solidFill>
+              </a:rPr>
+              <a:t>角色 </a:t>
+            </a:r>
+            <a:r>
+              <a:rPr lang="zh-CN" altLang="en-US" sz="2000" dirty="0">
+                <a:solidFill>
+                  <a:schemeClr val="tx2">
+                    <a:lumMod val="60000"/>
+                    <a:lumOff val="40000"/>
+                  </a:schemeClr>
+                </a:solidFill>
+              </a:rPr>
+              <a:t>判断</a:t>
+            </a:r>
+          </a:p>
+        </p:txBody>
+      </p:sp>
+      <p:sp>
+        <p:nvSpPr>
+          <p:cNvPr id="9" name="文本框 8"/>
+          <p:cNvSpPr txBox="1"/>
+          <p:nvPr/>
+        </p:nvSpPr>
+        <p:spPr>
+          <a:xfrm>
+            <a:off x="45537" y="339502"/>
+            <a:ext cx="2942287" cy="230832"/>
+          </a:xfrm>
+          <a:prstGeom prst="rect">
+            <a:avLst/>
+          </a:prstGeom>
+          <a:noFill/>
+        </p:spPr>
+        <p:txBody>
+          <a:bodyPr wrap="square" rtlCol="0">
+            <a:spAutoFit/>
+          </a:bodyPr>
+          <a:lstStyle/>
+          <a:p>
+            <a:r>
+              <a:rPr lang="zh-CN" altLang="en-US" sz="900" dirty="0" smtClean="0">
+                <a:solidFill>
+                  <a:srgbClr val="FF0000"/>
+                </a:solidFill>
+              </a:rPr>
+              <a:t>权限匹配符支持两种类型  </a:t>
+            </a:r>
+            <a:r>
+              <a:rPr lang="en-US" altLang="zh-CN" sz="900" dirty="0" smtClean="0">
+                <a:solidFill>
+                  <a:srgbClr val="FF0000"/>
+                </a:solidFill>
+              </a:rPr>
+              <a:t>1.</a:t>
+            </a:r>
+            <a:r>
+              <a:rPr lang="zh-CN" altLang="en-US" sz="900" dirty="0" smtClean="0">
+                <a:solidFill>
+                  <a:srgbClr val="FF0000"/>
+                </a:solidFill>
+              </a:rPr>
+              <a:t>权限匹配符  </a:t>
+            </a:r>
+            <a:r>
+              <a:rPr lang="en-US" altLang="zh-CN" sz="900" dirty="0" smtClean="0">
+                <a:solidFill>
+                  <a:srgbClr val="FF0000"/>
+                </a:solidFill>
+              </a:rPr>
+              <a:t>2.</a:t>
+            </a:r>
+            <a:r>
+              <a:rPr lang="zh-CN" altLang="en-US" sz="900" dirty="0" smtClean="0">
+                <a:solidFill>
+                  <a:srgbClr val="FF0000"/>
+                </a:solidFill>
+              </a:rPr>
+              <a:t>角色</a:t>
+            </a:r>
+            <a:endParaRPr lang="zh-CN" altLang="en-US" sz="900" dirty="0">
+              <a:solidFill>
+                <a:srgbClr val="FF0000"/>
+              </a:solidFill>
+            </a:endParaRPr>
+          </a:p>
+        </p:txBody>
+      </p:sp>
+    </p:spTree>
+    <p:extLst>
+      <p:ext uri="{BB962C8B-B14F-4D97-AF65-F5344CB8AC3E}">
+        <p14:creationId xmlns:p14="http://schemas.microsoft.com/office/powerpoint/2010/main" val="75361813"/>
       </p:ext>
     </p:extLst>
   </p:cSld>
